--- a/Reference Materials/MidPoint_review_11.3.pptx
+++ b/Reference Materials/MidPoint_review_11.3.pptx
@@ -323,7 +323,7 @@
             <a:fld id="{1D8BD707-D9CF-40AE-B4C6-C98DA3205C09}" type="datetimeFigureOut">
               <a:rPr lang="en-US" smtClean="0"/>
               <a:pPr/>
-              <a:t>3/8/2024</a:t>
+              <a:t>3/9/2024</a:t>
             </a:fld>
             <a:endParaRPr lang="en-US"/>
           </a:p>
@@ -488,7 +488,7 @@
             <a:fld id="{1D8BD707-D9CF-40AE-B4C6-C98DA3205C09}" type="datetimeFigureOut">
               <a:rPr lang="en-US" smtClean="0"/>
               <a:pPr/>
-              <a:t>3/8/2024</a:t>
+              <a:t>3/9/2024</a:t>
             </a:fld>
             <a:endParaRPr lang="en-US"/>
           </a:p>
@@ -663,7 +663,7 @@
             <a:fld id="{1D8BD707-D9CF-40AE-B4C6-C98DA3205C09}" type="datetimeFigureOut">
               <a:rPr lang="en-US" smtClean="0"/>
               <a:pPr/>
-              <a:t>3/8/2024</a:t>
+              <a:t>3/9/2024</a:t>
             </a:fld>
             <a:endParaRPr lang="en-US"/>
           </a:p>
@@ -828,7 +828,7 @@
             <a:fld id="{1D8BD707-D9CF-40AE-B4C6-C98DA3205C09}" type="datetimeFigureOut">
               <a:rPr lang="en-US" smtClean="0"/>
               <a:pPr/>
-              <a:t>3/8/2024</a:t>
+              <a:t>3/9/2024</a:t>
             </a:fld>
             <a:endParaRPr lang="en-US"/>
           </a:p>
@@ -1070,7 +1070,7 @@
             <a:fld id="{1D8BD707-D9CF-40AE-B4C6-C98DA3205C09}" type="datetimeFigureOut">
               <a:rPr lang="en-US" smtClean="0"/>
               <a:pPr/>
-              <a:t>3/8/2024</a:t>
+              <a:t>3/9/2024</a:t>
             </a:fld>
             <a:endParaRPr lang="en-US"/>
           </a:p>
@@ -1352,7 +1352,7 @@
             <a:fld id="{1D8BD707-D9CF-40AE-B4C6-C98DA3205C09}" type="datetimeFigureOut">
               <a:rPr lang="en-US" smtClean="0"/>
               <a:pPr/>
-              <a:t>3/8/2024</a:t>
+              <a:t>3/9/2024</a:t>
             </a:fld>
             <a:endParaRPr lang="en-US"/>
           </a:p>
@@ -1768,7 +1768,7 @@
             <a:fld id="{1D8BD707-D9CF-40AE-B4C6-C98DA3205C09}" type="datetimeFigureOut">
               <a:rPr lang="en-US" smtClean="0"/>
               <a:pPr/>
-              <a:t>3/8/2024</a:t>
+              <a:t>3/9/2024</a:t>
             </a:fld>
             <a:endParaRPr lang="en-US"/>
           </a:p>
@@ -1882,7 +1882,7 @@
             <a:fld id="{1D8BD707-D9CF-40AE-B4C6-C98DA3205C09}" type="datetimeFigureOut">
               <a:rPr lang="en-US" smtClean="0"/>
               <a:pPr/>
-              <a:t>3/8/2024</a:t>
+              <a:t>3/9/2024</a:t>
             </a:fld>
             <a:endParaRPr lang="en-US"/>
           </a:p>
@@ -1974,7 +1974,7 @@
             <a:fld id="{1D8BD707-D9CF-40AE-B4C6-C98DA3205C09}" type="datetimeFigureOut">
               <a:rPr lang="en-US" smtClean="0"/>
               <a:pPr/>
-              <a:t>3/8/2024</a:t>
+              <a:t>3/9/2024</a:t>
             </a:fld>
             <a:endParaRPr lang="en-US"/>
           </a:p>
@@ -2246,7 +2246,7 @@
             <a:fld id="{1D8BD707-D9CF-40AE-B4C6-C98DA3205C09}" type="datetimeFigureOut">
               <a:rPr lang="en-US" smtClean="0"/>
               <a:pPr/>
-              <a:t>3/8/2024</a:t>
+              <a:t>3/9/2024</a:t>
             </a:fld>
             <a:endParaRPr lang="en-US"/>
           </a:p>
@@ -2495,7 +2495,7 @@
             <a:fld id="{1D8BD707-D9CF-40AE-B4C6-C98DA3205C09}" type="datetimeFigureOut">
               <a:rPr lang="en-US" smtClean="0"/>
               <a:pPr/>
-              <a:t>3/8/2024</a:t>
+              <a:t>3/9/2024</a:t>
             </a:fld>
             <a:endParaRPr lang="en-US"/>
           </a:p>
@@ -2703,7 +2703,7 @@
             <a:fld id="{1D8BD707-D9CF-40AE-B4C6-C98DA3205C09}" type="datetimeFigureOut">
               <a:rPr lang="en-US" smtClean="0"/>
               <a:pPr/>
-              <a:t>3/8/2024</a:t>
+              <a:t>3/9/2024</a:t>
             </a:fld>
             <a:endParaRPr lang="en-US"/>
           </a:p>
@@ -4135,6 +4135,11 @@
               <a:fillRect t="-561" b="-4498"/>
             </a:stretch>
           </a:blipFill>
+          <a:ln w="12700">
+            <a:solidFill>
+              <a:schemeClr val="tx1"/>
+            </a:solidFill>
+          </a:ln>
         </p:spPr>
         <p:txBody>
           <a:bodyPr/>
@@ -4188,6 +4193,11 @@
               <a:fillRect t="-4516" b="-3134"/>
             </a:stretch>
           </a:blipFill>
+          <a:ln w="12700">
+            <a:solidFill>
+              <a:schemeClr val="tx1"/>
+            </a:solidFill>
+          </a:ln>
         </p:spPr>
         <p:txBody>
           <a:bodyPr/>
@@ -4442,6 +4452,55 @@
       </p:grpSpPr>
       <p:sp>
         <p:nvSpPr>
+          <p:cNvPr id="5" name="מלבן 4">
+            <a:extLst>
+              <a:ext uri="{FF2B5EF4-FFF2-40B4-BE49-F238E27FC236}">
+                <a16:creationId xmlns:a16="http://schemas.microsoft.com/office/drawing/2014/main" id="{EE98FF40-B44C-BB60-F1F0-CA04073020C0}"/>
+              </a:ext>
+            </a:extLst>
+          </p:cNvPr>
+          <p:cNvSpPr/>
+          <p:nvPr/>
+        </p:nvSpPr>
+        <p:spPr>
+          <a:xfrm>
+            <a:off x="15025550" y="1276667"/>
+            <a:ext cx="2209800" cy="978417"/>
+          </a:xfrm>
+          <a:prstGeom prst="rect">
+            <a:avLst/>
+          </a:prstGeom>
+          <a:solidFill>
+            <a:schemeClr val="bg1"/>
+          </a:solidFill>
+        </p:spPr>
+        <p:style>
+          <a:lnRef idx="2">
+            <a:schemeClr val="accent1">
+              <a:shade val="15000"/>
+            </a:schemeClr>
+          </a:lnRef>
+          <a:fillRef idx="1">
+            <a:schemeClr val="accent1"/>
+          </a:fillRef>
+          <a:effectRef idx="0">
+            <a:schemeClr val="accent1"/>
+          </a:effectRef>
+          <a:fontRef idx="minor">
+            <a:schemeClr val="lt1"/>
+          </a:fontRef>
+        </p:style>
+        <p:txBody>
+          <a:bodyPr rtlCol="1" anchor="ctr"/>
+          <a:lstStyle/>
+          <a:p>
+            <a:pPr algn="ctr"/>
+            <a:endParaRPr lang="he-IL" dirty="0"/>
+          </a:p>
+        </p:txBody>
+      </p:sp>
+      <p:sp>
+        <p:nvSpPr>
           <p:cNvPr id="4" name="TextBox 4"/>
           <p:cNvSpPr txBox="1"/>
           <p:nvPr/>
@@ -4495,7 +4554,7 @@
         </p:nvSpPr>
         <p:spPr>
           <a:xfrm>
-            <a:off x="3672797" y="8343900"/>
+            <a:off x="3672797" y="8441808"/>
             <a:ext cx="2133600" cy="461665"/>
           </a:xfrm>
           <a:prstGeom prst="rect">
@@ -4575,7 +4634,7 @@
         </p:nvSpPr>
         <p:spPr>
           <a:xfrm>
-            <a:off x="12877800" y="8574732"/>
+            <a:off x="12582296" y="8411120"/>
             <a:ext cx="2133600" cy="461665"/>
           </a:xfrm>
           <a:prstGeom prst="rect">
@@ -4639,10 +4698,10 @@
       </p:sp>
       <p:pic>
         <p:nvPicPr>
-          <p:cNvPr id="2050" name="Picture 2">
+          <p:cNvPr id="1026" name="Picture 2">
             <a:extLst>
               <a:ext uri="{FF2B5EF4-FFF2-40B4-BE49-F238E27FC236}">
-                <a16:creationId xmlns:a16="http://schemas.microsoft.com/office/drawing/2014/main" id="{2094E1F9-BE71-1FF7-0B81-2F8BB699ED0D}"/>
+                <a16:creationId xmlns:a16="http://schemas.microsoft.com/office/drawing/2014/main" id="{C971E644-EE55-211A-1D0E-59D021C157B5}"/>
               </a:ext>
             </a:extLst>
           </p:cNvPr>
@@ -4666,13 +4725,18 @@
         </p:blipFill>
         <p:spPr bwMode="auto">
           <a:xfrm>
-            <a:off x="9805239" y="3390900"/>
-            <a:ext cx="7718723" cy="5096519"/>
+            <a:off x="1209095" y="3288097"/>
+            <a:ext cx="7765897" cy="5123023"/>
           </a:xfrm>
           <a:prstGeom prst="rect">
             <a:avLst/>
           </a:prstGeom>
           <a:noFill/>
+          <a:ln w="12700">
+            <a:solidFill>
+              <a:schemeClr val="tx1"/>
+            </a:solidFill>
+          </a:ln>
           <a:extLst>
             <a:ext uri="{909E8E84-426E-40DD-AFC4-6F175D3DCCD1}">
               <a14:hiddenFill xmlns:a14="http://schemas.microsoft.com/office/drawing/2010/main">
@@ -4686,10 +4750,10 @@
       </p:pic>
       <p:pic>
         <p:nvPicPr>
-          <p:cNvPr id="2052" name="Picture 4">
+          <p:cNvPr id="1028" name="Picture 4">
             <a:extLst>
               <a:ext uri="{FF2B5EF4-FFF2-40B4-BE49-F238E27FC236}">
-                <a16:creationId xmlns:a16="http://schemas.microsoft.com/office/drawing/2014/main" id="{63D6AE15-6067-44CA-E8E2-4A7271D43FC6}"/>
+                <a16:creationId xmlns:a16="http://schemas.microsoft.com/office/drawing/2014/main" id="{6F0D0421-A11A-E47B-AF33-5461AE9F2212}"/>
               </a:ext>
             </a:extLst>
           </p:cNvPr>
@@ -4713,13 +4777,18 @@
         </p:blipFill>
         <p:spPr bwMode="auto">
           <a:xfrm>
-            <a:off x="1271957" y="3390900"/>
-            <a:ext cx="7771280" cy="4953000"/>
+            <a:off x="9774231" y="3288097"/>
+            <a:ext cx="7749731" cy="5153711"/>
           </a:xfrm>
           <a:prstGeom prst="rect">
             <a:avLst/>
           </a:prstGeom>
           <a:noFill/>
+          <a:ln w="12700">
+            <a:solidFill>
+              <a:schemeClr val="tx1"/>
+            </a:solidFill>
+          </a:ln>
           <a:extLst>
             <a:ext uri="{909E8E84-426E-40DD-AFC4-6F175D3DCCD1}">
               <a14:hiddenFill xmlns:a14="http://schemas.microsoft.com/office/drawing/2010/main">
@@ -4731,6 +4800,164 @@
           </a:extLst>
         </p:spPr>
       </p:pic>
+      <p:cxnSp>
+        <p:nvCxnSpPr>
+          <p:cNvPr id="3" name="מחבר ישר 2">
+            <a:extLst>
+              <a:ext uri="{FF2B5EF4-FFF2-40B4-BE49-F238E27FC236}">
+                <a16:creationId xmlns:a16="http://schemas.microsoft.com/office/drawing/2014/main" id="{3E1A70F0-8AAC-F099-3BED-3713040CC966}"/>
+              </a:ext>
+            </a:extLst>
+          </p:cNvPr>
+          <p:cNvCxnSpPr>
+            <a:cxnSpLocks/>
+          </p:cNvCxnSpPr>
+          <p:nvPr/>
+        </p:nvCxnSpPr>
+        <p:spPr>
+          <a:xfrm>
+            <a:off x="16244750" y="1590992"/>
+            <a:ext cx="685800" cy="0"/>
+          </a:xfrm>
+          <a:prstGeom prst="line">
+            <a:avLst/>
+          </a:prstGeom>
+          <a:ln w="28575">
+            <a:solidFill>
+              <a:srgbClr val="30BBEE"/>
+            </a:solidFill>
+          </a:ln>
+        </p:spPr>
+        <p:style>
+          <a:lnRef idx="1">
+            <a:schemeClr val="accent5"/>
+          </a:lnRef>
+          <a:fillRef idx="0">
+            <a:schemeClr val="accent5"/>
+          </a:fillRef>
+          <a:effectRef idx="0">
+            <a:schemeClr val="accent5"/>
+          </a:effectRef>
+          <a:fontRef idx="minor">
+            <a:schemeClr val="tx1"/>
+          </a:fontRef>
+        </p:style>
+      </p:cxnSp>
+      <p:cxnSp>
+        <p:nvCxnSpPr>
+          <p:cNvPr id="8" name="מחבר ישר 7">
+            <a:extLst>
+              <a:ext uri="{FF2B5EF4-FFF2-40B4-BE49-F238E27FC236}">
+                <a16:creationId xmlns:a16="http://schemas.microsoft.com/office/drawing/2014/main" id="{7406B535-4518-6D1B-4874-88ED2FAB54EA}"/>
+              </a:ext>
+            </a:extLst>
+          </p:cNvPr>
+          <p:cNvCxnSpPr>
+            <a:cxnSpLocks/>
+          </p:cNvCxnSpPr>
+          <p:nvPr/>
+        </p:nvCxnSpPr>
+        <p:spPr>
+          <a:xfrm>
+            <a:off x="16244750" y="1960272"/>
+            <a:ext cx="685800" cy="0"/>
+          </a:xfrm>
+          <a:prstGeom prst="line">
+            <a:avLst/>
+          </a:prstGeom>
+          <a:ln w="28575">
+            <a:solidFill>
+              <a:srgbClr val="EE3277"/>
+            </a:solidFill>
+          </a:ln>
+        </p:spPr>
+        <p:style>
+          <a:lnRef idx="1">
+            <a:schemeClr val="accent2"/>
+          </a:lnRef>
+          <a:fillRef idx="0">
+            <a:schemeClr val="accent2"/>
+          </a:fillRef>
+          <a:effectRef idx="0">
+            <a:schemeClr val="accent2"/>
+          </a:effectRef>
+          <a:fontRef idx="minor">
+            <a:schemeClr val="tx1"/>
+          </a:fontRef>
+        </p:style>
+      </p:cxnSp>
+      <p:sp>
+        <p:nvSpPr>
+          <p:cNvPr id="9" name="תיבת טקסט 8">
+            <a:extLst>
+              <a:ext uri="{FF2B5EF4-FFF2-40B4-BE49-F238E27FC236}">
+                <a16:creationId xmlns:a16="http://schemas.microsoft.com/office/drawing/2014/main" id="{8579CA13-ED38-F0B2-2A3B-4B7DCFAE7378}"/>
+              </a:ext>
+            </a:extLst>
+          </p:cNvPr>
+          <p:cNvSpPr txBox="1"/>
+          <p:nvPr/>
+        </p:nvSpPr>
+        <p:spPr>
+          <a:xfrm>
+            <a:off x="15392400" y="1396543"/>
+            <a:ext cx="1447800" cy="369332"/>
+          </a:xfrm>
+          <a:prstGeom prst="rect">
+            <a:avLst/>
+          </a:prstGeom>
+          <a:noFill/>
+        </p:spPr>
+        <p:txBody>
+          <a:bodyPr wrap="square" rtlCol="1">
+            <a:spAutoFit/>
+          </a:bodyPr>
+          <a:lstStyle/>
+          <a:p>
+            <a:r>
+              <a:rPr lang="en-US" dirty="0"/>
+              <a:t>train</a:t>
+            </a:r>
+            <a:endParaRPr lang="he-IL" dirty="0"/>
+          </a:p>
+        </p:txBody>
+      </p:sp>
+      <p:sp>
+        <p:nvSpPr>
+          <p:cNvPr id="10" name="תיבת טקסט 9">
+            <a:extLst>
+              <a:ext uri="{FF2B5EF4-FFF2-40B4-BE49-F238E27FC236}">
+                <a16:creationId xmlns:a16="http://schemas.microsoft.com/office/drawing/2014/main" id="{6FBA7FBF-FF48-3D31-0A91-ACC4966F54B3}"/>
+              </a:ext>
+            </a:extLst>
+          </p:cNvPr>
+          <p:cNvSpPr txBox="1"/>
+          <p:nvPr/>
+        </p:nvSpPr>
+        <p:spPr>
+          <a:xfrm>
+            <a:off x="15139850" y="1765875"/>
+            <a:ext cx="1447800" cy="369332"/>
+          </a:xfrm>
+          <a:prstGeom prst="rect">
+            <a:avLst/>
+          </a:prstGeom>
+          <a:noFill/>
+        </p:spPr>
+        <p:txBody>
+          <a:bodyPr wrap="square" rtlCol="1">
+            <a:spAutoFit/>
+          </a:bodyPr>
+          <a:lstStyle/>
+          <a:p>
+            <a:r>
+              <a:rPr lang="en-US" dirty="0"/>
+              <a:t>validation</a:t>
+            </a:r>
+            <a:endParaRPr lang="he-IL" dirty="0"/>
+          </a:p>
+        </p:txBody>
+      </p:sp>
     </p:spTree>
   </p:cSld>
   <p:clrMapOvr>

--- a/Reference Materials/MidPoint_review_11.3.pptx
+++ b/Reference Materials/MidPoint_review_11.3.pptx
@@ -323,7 +323,7 @@
             <a:fld id="{1D8BD707-D9CF-40AE-B4C6-C98DA3205C09}" type="datetimeFigureOut">
               <a:rPr lang="en-US" smtClean="0"/>
               <a:pPr/>
-              <a:t>3/9/2024</a:t>
+              <a:t>3/10/2024</a:t>
             </a:fld>
             <a:endParaRPr lang="en-US"/>
           </a:p>
@@ -488,7 +488,7 @@
             <a:fld id="{1D8BD707-D9CF-40AE-B4C6-C98DA3205C09}" type="datetimeFigureOut">
               <a:rPr lang="en-US" smtClean="0"/>
               <a:pPr/>
-              <a:t>3/9/2024</a:t>
+              <a:t>3/10/2024</a:t>
             </a:fld>
             <a:endParaRPr lang="en-US"/>
           </a:p>
@@ -663,7 +663,7 @@
             <a:fld id="{1D8BD707-D9CF-40AE-B4C6-C98DA3205C09}" type="datetimeFigureOut">
               <a:rPr lang="en-US" smtClean="0"/>
               <a:pPr/>
-              <a:t>3/9/2024</a:t>
+              <a:t>3/10/2024</a:t>
             </a:fld>
             <a:endParaRPr lang="en-US"/>
           </a:p>
@@ -828,7 +828,7 @@
             <a:fld id="{1D8BD707-D9CF-40AE-B4C6-C98DA3205C09}" type="datetimeFigureOut">
               <a:rPr lang="en-US" smtClean="0"/>
               <a:pPr/>
-              <a:t>3/9/2024</a:t>
+              <a:t>3/10/2024</a:t>
             </a:fld>
             <a:endParaRPr lang="en-US"/>
           </a:p>
@@ -1070,7 +1070,7 @@
             <a:fld id="{1D8BD707-D9CF-40AE-B4C6-C98DA3205C09}" type="datetimeFigureOut">
               <a:rPr lang="en-US" smtClean="0"/>
               <a:pPr/>
-              <a:t>3/9/2024</a:t>
+              <a:t>3/10/2024</a:t>
             </a:fld>
             <a:endParaRPr lang="en-US"/>
           </a:p>
@@ -1352,7 +1352,7 @@
             <a:fld id="{1D8BD707-D9CF-40AE-B4C6-C98DA3205C09}" type="datetimeFigureOut">
               <a:rPr lang="en-US" smtClean="0"/>
               <a:pPr/>
-              <a:t>3/9/2024</a:t>
+              <a:t>3/10/2024</a:t>
             </a:fld>
             <a:endParaRPr lang="en-US"/>
           </a:p>
@@ -1768,7 +1768,7 @@
             <a:fld id="{1D8BD707-D9CF-40AE-B4C6-C98DA3205C09}" type="datetimeFigureOut">
               <a:rPr lang="en-US" smtClean="0"/>
               <a:pPr/>
-              <a:t>3/9/2024</a:t>
+              <a:t>3/10/2024</a:t>
             </a:fld>
             <a:endParaRPr lang="en-US"/>
           </a:p>
@@ -1882,7 +1882,7 @@
             <a:fld id="{1D8BD707-D9CF-40AE-B4C6-C98DA3205C09}" type="datetimeFigureOut">
               <a:rPr lang="en-US" smtClean="0"/>
               <a:pPr/>
-              <a:t>3/9/2024</a:t>
+              <a:t>3/10/2024</a:t>
             </a:fld>
             <a:endParaRPr lang="en-US"/>
           </a:p>
@@ -1974,7 +1974,7 @@
             <a:fld id="{1D8BD707-D9CF-40AE-B4C6-C98DA3205C09}" type="datetimeFigureOut">
               <a:rPr lang="en-US" smtClean="0"/>
               <a:pPr/>
-              <a:t>3/9/2024</a:t>
+              <a:t>3/10/2024</a:t>
             </a:fld>
             <a:endParaRPr lang="en-US"/>
           </a:p>
@@ -2246,7 +2246,7 @@
             <a:fld id="{1D8BD707-D9CF-40AE-B4C6-C98DA3205C09}" type="datetimeFigureOut">
               <a:rPr lang="en-US" smtClean="0"/>
               <a:pPr/>
-              <a:t>3/9/2024</a:t>
+              <a:t>3/10/2024</a:t>
             </a:fld>
             <a:endParaRPr lang="en-US"/>
           </a:p>
@@ -2495,7 +2495,7 @@
             <a:fld id="{1D8BD707-D9CF-40AE-B4C6-C98DA3205C09}" type="datetimeFigureOut">
               <a:rPr lang="en-US" smtClean="0"/>
               <a:pPr/>
-              <a:t>3/9/2024</a:t>
+              <a:t>3/10/2024</a:t>
             </a:fld>
             <a:endParaRPr lang="en-US"/>
           </a:p>
@@ -2703,7 +2703,7 @@
             <a:fld id="{1D8BD707-D9CF-40AE-B4C6-C98DA3205C09}" type="datetimeFigureOut">
               <a:rPr lang="en-US" smtClean="0"/>
               <a:pPr/>
-              <a:t>3/9/2024</a:t>
+              <a:t>3/10/2024</a:t>
             </a:fld>
             <a:endParaRPr lang="en-US"/>
           </a:p>
@@ -5367,7 +5367,7 @@
         </p:nvSpPr>
         <p:spPr>
           <a:xfrm>
-            <a:off x="8589780" y="5080546"/>
+            <a:off x="8589779" y="6420373"/>
             <a:ext cx="7958219" cy="963930"/>
           </a:xfrm>
           <a:prstGeom prst="rect">
@@ -5398,7 +5398,7 @@
               <a:defRPr/>
             </a:pPr>
             <a:r>
-              <a:rPr kumimoji="0" lang="en-US" sz="4200" b="0" i="0" u="none" strike="noStrike" kern="1200" cap="none" spc="0" normalizeH="0" baseline="0" noProof="0">
+              <a:rPr kumimoji="0" lang="en-US" sz="4200" b="0" i="0" u="none" strike="noStrike" kern="1200" cap="none" spc="0" normalizeH="0" baseline="0" noProof="0" dirty="0">
                 <a:ln>
                   <a:noFill/>
                 </a:ln>
@@ -5704,7 +5704,7 @@
         </p:nvSpPr>
         <p:spPr>
           <a:xfrm>
-            <a:off x="8589780" y="6408007"/>
+            <a:off x="8589779" y="5123724"/>
             <a:ext cx="7958219" cy="963930"/>
           </a:xfrm>
           <a:prstGeom prst="rect">
@@ -5735,7 +5735,7 @@
               <a:defRPr/>
             </a:pPr>
             <a:r>
-              <a:rPr kumimoji="0" lang="en-US" sz="4200" b="0" i="0" u="none" strike="noStrike" kern="1200" cap="none" spc="0" normalizeH="0" baseline="0" noProof="0">
+              <a:rPr kumimoji="0" lang="en-US" sz="4200" b="0" i="0" u="none" strike="noStrike" kern="1200" cap="none" spc="0" normalizeH="0" baseline="0" noProof="0" dirty="0">
                 <a:ln>
                   <a:noFill/>
                 </a:ln>
